--- a/北市啪啪走.pptx
+++ b/北市啪啪走.pptx
@@ -11,6 +11,8 @@
     <p:sldId id="259" r:id="rId5"/>
     <p:sldId id="260" r:id="rId6"/>
     <p:sldId id="261" r:id="rId7"/>
+    <p:sldId id="262" r:id="rId8"/>
+    <p:sldId id="263" r:id="rId9"/>
   </p:sldIdLst>
   <p:sldSz cx="12192000" cy="6858000"/>
   <p:notesSz cx="6858000" cy="9144000"/>
@@ -124,9 +126,14 @@
             <p14:sldId id="259"/>
             <p14:sldId id="260"/>
             <p14:sldId id="261"/>
+            <p14:sldId id="262"/>
+            <p14:sldId id="263"/>
           </p14:sldIdLst>
         </p14:section>
       </p14:sectionLst>
+    </p:ext>
+    <p:ext uri="{EFAFB233-063F-42B5-8137-9DF3F51BA10A}">
+      <p15:sldGuideLst xmlns:p15="http://schemas.microsoft.com/office/powerpoint/2012/main"/>
     </p:ext>
   </p:extLst>
 </p:presentation>
@@ -4340,9 +4347,129 @@
         </p:blipFill>
         <p:spPr>
           <a:xfrm>
-            <a:off x="2028264" y="1853754"/>
+            <a:off x="3387164" y="139254"/>
             <a:ext cx="8449903" cy="5976761"/>
           </a:xfrm>
+        </p:spPr>
+      </p:pic>
+      <p:pic>
+        <p:nvPicPr>
+          <p:cNvPr id="3" name="圖片 2"/>
+          <p:cNvPicPr>
+            <a:picLocks noChangeAspect="1"/>
+          </p:cNvPicPr>
+          <p:nvPr/>
+        </p:nvPicPr>
+        <p:blipFill>
+          <a:blip r:embed="rId3">
+            <a:extLst>
+              <a:ext uri="{28A0092B-C50C-407E-A947-70E740481C1C}">
+                <a14:useLocalDpi xmlns:a14="http://schemas.microsoft.com/office/drawing/2010/main" val="0"/>
+              </a:ext>
+            </a:extLst>
+          </a:blip>
+          <a:stretch>
+            <a:fillRect/>
+          </a:stretch>
+        </p:blipFill>
+        <p:spPr>
+          <a:xfrm>
+            <a:off x="5793401" y="5004245"/>
+            <a:ext cx="444055" cy="444055"/>
+          </a:xfrm>
+          <a:prstGeom prst="rect">
+            <a:avLst/>
+          </a:prstGeom>
+        </p:spPr>
+      </p:pic>
+      <p:pic>
+        <p:nvPicPr>
+          <p:cNvPr id="6" name="圖片 5"/>
+          <p:cNvPicPr>
+            <a:picLocks noChangeAspect="1"/>
+          </p:cNvPicPr>
+          <p:nvPr/>
+        </p:nvPicPr>
+        <p:blipFill>
+          <a:blip r:embed="rId4">
+            <a:extLst>
+              <a:ext uri="{28A0092B-C50C-407E-A947-70E740481C1C}">
+                <a14:useLocalDpi xmlns:a14="http://schemas.microsoft.com/office/drawing/2010/main" val="0"/>
+              </a:ext>
+            </a:extLst>
+          </a:blip>
+          <a:stretch>
+            <a:fillRect/>
+          </a:stretch>
+        </p:blipFill>
+        <p:spPr>
+          <a:xfrm>
+            <a:off x="6359387" y="5064383"/>
+            <a:ext cx="323777" cy="323777"/>
+          </a:xfrm>
+          <a:prstGeom prst="rect">
+            <a:avLst/>
+          </a:prstGeom>
+        </p:spPr>
+      </p:pic>
+      <p:pic>
+        <p:nvPicPr>
+          <p:cNvPr id="7" name="圖片 6"/>
+          <p:cNvPicPr>
+            <a:picLocks noChangeAspect="1"/>
+          </p:cNvPicPr>
+          <p:nvPr/>
+        </p:nvPicPr>
+        <p:blipFill>
+          <a:blip r:embed="rId5">
+            <a:extLst>
+              <a:ext uri="{28A0092B-C50C-407E-A947-70E740481C1C}">
+                <a14:useLocalDpi xmlns:a14="http://schemas.microsoft.com/office/drawing/2010/main" val="0"/>
+              </a:ext>
+            </a:extLst>
+          </a:blip>
+          <a:stretch>
+            <a:fillRect/>
+          </a:stretch>
+        </p:blipFill>
+        <p:spPr>
+          <a:xfrm>
+            <a:off x="6805095" y="5004245"/>
+            <a:ext cx="383915" cy="383915"/>
+          </a:xfrm>
+          <a:prstGeom prst="rect">
+            <a:avLst/>
+          </a:prstGeom>
+        </p:spPr>
+      </p:pic>
+      <p:pic>
+        <p:nvPicPr>
+          <p:cNvPr id="8" name="圖片 7"/>
+          <p:cNvPicPr>
+            <a:picLocks noChangeAspect="1"/>
+          </p:cNvPicPr>
+          <p:nvPr/>
+        </p:nvPicPr>
+        <p:blipFill>
+          <a:blip r:embed="rId6">
+            <a:extLst>
+              <a:ext uri="{28A0092B-C50C-407E-A947-70E740481C1C}">
+                <a14:useLocalDpi xmlns:a14="http://schemas.microsoft.com/office/drawing/2010/main" val="0"/>
+              </a:ext>
+            </a:extLst>
+          </a:blip>
+          <a:stretch>
+            <a:fillRect/>
+          </a:stretch>
+        </p:blipFill>
+        <p:spPr>
+          <a:xfrm>
+            <a:off x="7310941" y="5007605"/>
+            <a:ext cx="477176" cy="477176"/>
+          </a:xfrm>
+          <a:prstGeom prst="rect">
+            <a:avLst/>
+          </a:prstGeom>
         </p:spPr>
       </p:pic>
     </p:spTree>
@@ -4397,32 +4524,188 @@
           </a:p>
         </p:txBody>
       </p:sp>
-      <p:sp>
-        <p:nvSpPr>
-          <p:cNvPr id="3" name="內容版面配置區 2"/>
-          <p:cNvSpPr>
-            <a:spLocks noGrp="1"/>
-          </p:cNvSpPr>
+      <p:pic>
+        <p:nvPicPr>
+          <p:cNvPr id="7" name="內容版面配置區 6"/>
+          <p:cNvPicPr>
+            <a:picLocks noGrp="1" noChangeAspect="1"/>
+          </p:cNvPicPr>
           <p:nvPr>
             <p:ph idx="1"/>
           </p:nvPr>
-        </p:nvSpPr>
-        <p:spPr/>
-        <p:txBody>
-          <a:bodyPr/>
-          <a:lstStyle/>
-          <a:p>
-            <a:pPr marL="0" indent="0">
-              <a:buNone/>
-            </a:pPr>
-            <a:endParaRPr lang="zh-TW" altLang="en-US" dirty="0"/>
-          </a:p>
-        </p:txBody>
-      </p:sp>
+        </p:nvPicPr>
+        <p:blipFill>
+          <a:blip r:embed="rId2">
+            <a:extLst>
+              <a:ext uri="{28A0092B-C50C-407E-A947-70E740481C1C}">
+                <a14:useLocalDpi xmlns:a14="http://schemas.microsoft.com/office/drawing/2010/main" val="0"/>
+              </a:ext>
+            </a:extLst>
+          </a:blip>
+          <a:stretch>
+            <a:fillRect/>
+          </a:stretch>
+        </p:blipFill>
+        <p:spPr>
+          <a:xfrm>
+            <a:off x="3476674" y="0"/>
+            <a:ext cx="8176707" cy="6301977"/>
+          </a:xfrm>
+        </p:spPr>
+      </p:pic>
     </p:spTree>
     <p:extLst>
       <p:ext uri="{BB962C8B-B14F-4D97-AF65-F5344CB8AC3E}">
         <p14:creationId xmlns:p14="http://schemas.microsoft.com/office/powerpoint/2010/main" val="3615469747"/>
+      </p:ext>
+    </p:extLst>
+  </p:cSld>
+  <p:clrMapOvr>
+    <a:masterClrMapping/>
+  </p:clrMapOvr>
+</p:sld>
+</file>
+
+<file path=ppt/slides/slide7.xml><?xml version="1.0" encoding="utf-8"?>
+<p:sld xmlns:a="http://schemas.openxmlformats.org/drawingml/2006/main" xmlns:r="http://schemas.openxmlformats.org/officeDocument/2006/relationships" xmlns:p="http://schemas.openxmlformats.org/presentationml/2006/main">
+  <p:cSld>
+    <p:spTree>
+      <p:nvGrpSpPr>
+        <p:cNvPr id="1" name=""/>
+        <p:cNvGrpSpPr/>
+        <p:nvPr/>
+      </p:nvGrpSpPr>
+      <p:grpSpPr>
+        <a:xfrm>
+          <a:off x="0" y="0"/>
+          <a:ext cx="0" cy="0"/>
+          <a:chOff x="0" y="0"/>
+          <a:chExt cx="0" cy="0"/>
+        </a:xfrm>
+      </p:grpSpPr>
+      <p:sp>
+        <p:nvSpPr>
+          <p:cNvPr id="2" name="標題 1"/>
+          <p:cNvSpPr>
+            <a:spLocks noGrp="1"/>
+          </p:cNvSpPr>
+          <p:nvPr>
+            <p:ph type="title"/>
+          </p:nvPr>
+        </p:nvSpPr>
+        <p:spPr/>
+        <p:txBody>
+          <a:bodyPr/>
+          <a:lstStyle/>
+          <a:p>
+            <a:r>
+              <a:rPr lang="zh-TW" altLang="en-US" dirty="0"/>
+              <a:t>熱門程度</a:t>
+            </a:r>
+          </a:p>
+        </p:txBody>
+      </p:sp>
+      <p:pic>
+        <p:nvPicPr>
+          <p:cNvPr id="4" name="內容版面配置區 3"/>
+          <p:cNvPicPr>
+            <a:picLocks noGrp="1" noChangeAspect="1"/>
+          </p:cNvPicPr>
+          <p:nvPr>
+            <p:ph idx="1"/>
+          </p:nvPr>
+        </p:nvPicPr>
+        <p:blipFill>
+          <a:blip r:embed="rId2">
+            <a:extLst>
+              <a:ext uri="{28A0092B-C50C-407E-A947-70E740481C1C}">
+                <a14:useLocalDpi xmlns:a14="http://schemas.microsoft.com/office/drawing/2010/main" val="0"/>
+              </a:ext>
+            </a:extLst>
+          </a:blip>
+          <a:stretch>
+            <a:fillRect/>
+          </a:stretch>
+        </p:blipFill>
+        <p:spPr>
+          <a:xfrm>
+            <a:off x="4443735" y="1739900"/>
+            <a:ext cx="7748265" cy="4381500"/>
+          </a:xfrm>
+        </p:spPr>
+      </p:pic>
+    </p:spTree>
+    <p:extLst>
+      <p:ext uri="{BB962C8B-B14F-4D97-AF65-F5344CB8AC3E}">
+        <p14:creationId xmlns:p14="http://schemas.microsoft.com/office/powerpoint/2010/main" val="1100150373"/>
+      </p:ext>
+    </p:extLst>
+  </p:cSld>
+  <p:clrMapOvr>
+    <a:masterClrMapping/>
+  </p:clrMapOvr>
+</p:sld>
+</file>
+
+<file path=ppt/slides/slide8.xml><?xml version="1.0" encoding="utf-8"?>
+<p:sld xmlns:a="http://schemas.openxmlformats.org/drawingml/2006/main" xmlns:r="http://schemas.openxmlformats.org/officeDocument/2006/relationships" xmlns:p="http://schemas.openxmlformats.org/presentationml/2006/main">
+  <p:cSld>
+    <p:spTree>
+      <p:nvGrpSpPr>
+        <p:cNvPr id="1" name=""/>
+        <p:cNvGrpSpPr/>
+        <p:nvPr/>
+      </p:nvGrpSpPr>
+      <p:grpSpPr>
+        <a:xfrm>
+          <a:off x="0" y="0"/>
+          <a:ext cx="0" cy="0"/>
+          <a:chOff x="0" y="0"/>
+          <a:chExt cx="0" cy="0"/>
+        </a:xfrm>
+      </p:grpSpPr>
+      <p:sp>
+        <p:nvSpPr>
+          <p:cNvPr id="2" name="標題 1"/>
+          <p:cNvSpPr>
+            <a:spLocks noGrp="1"/>
+          </p:cNvSpPr>
+          <p:nvPr>
+            <p:ph type="title"/>
+          </p:nvPr>
+        </p:nvSpPr>
+        <p:spPr/>
+        <p:txBody>
+          <a:bodyPr/>
+          <a:lstStyle/>
+          <a:p>
+            <a:endParaRPr lang="zh-TW" altLang="en-US"/>
+          </a:p>
+        </p:txBody>
+      </p:sp>
+      <p:sp>
+        <p:nvSpPr>
+          <p:cNvPr id="3" name="內容版面配置區 2"/>
+          <p:cNvSpPr>
+            <a:spLocks noGrp="1"/>
+          </p:cNvSpPr>
+          <p:nvPr>
+            <p:ph idx="1"/>
+          </p:nvPr>
+        </p:nvSpPr>
+        <p:spPr/>
+        <p:txBody>
+          <a:bodyPr/>
+          <a:lstStyle/>
+          <a:p>
+            <a:endParaRPr lang="zh-TW" altLang="en-US"/>
+          </a:p>
+        </p:txBody>
+      </p:sp>
+    </p:spTree>
+    <p:extLst>
+      <p:ext uri="{BB962C8B-B14F-4D97-AF65-F5344CB8AC3E}">
+        <p14:creationId xmlns:p14="http://schemas.microsoft.com/office/powerpoint/2010/main" val="3998228646"/>
       </p:ext>
     </p:extLst>
   </p:cSld>

--- a/北市啪啪走.pptx
+++ b/北市啪啪走.pptx
@@ -13,6 +13,9 @@
     <p:sldId id="261" r:id="rId7"/>
     <p:sldId id="262" r:id="rId8"/>
     <p:sldId id="263" r:id="rId9"/>
+    <p:sldId id="264" r:id="rId10"/>
+    <p:sldId id="266" r:id="rId11"/>
+    <p:sldId id="265" r:id="rId12"/>
   </p:sldIdLst>
   <p:sldSz cx="12192000" cy="6858000"/>
   <p:notesSz cx="6858000" cy="9144000"/>
@@ -128,6 +131,9 @@
             <p14:sldId id="261"/>
             <p14:sldId id="262"/>
             <p14:sldId id="263"/>
+            <p14:sldId id="264"/>
+            <p14:sldId id="266"/>
+            <p14:sldId id="265"/>
           </p14:sldIdLst>
         </p14:section>
       </p14:sectionLst>
@@ -278,7 +284,7 @@
           <a:p>
             <a:fld id="{D83AD0FD-864B-4D74-B194-BE48C2ADEE4E}" type="datetimeFigureOut">
               <a:rPr lang="zh-TW" altLang="en-US" smtClean="0"/>
-              <a:t>2016/3/28</a:t>
+              <a:t>2016/3/29</a:t>
             </a:fld>
             <a:endParaRPr lang="zh-TW" altLang="en-US"/>
           </a:p>
@@ -489,7 +495,7 @@
           <a:p>
             <a:fld id="{D83AD0FD-864B-4D74-B194-BE48C2ADEE4E}" type="datetimeFigureOut">
               <a:rPr lang="zh-TW" altLang="en-US" smtClean="0"/>
-              <a:t>2016/3/28</a:t>
+              <a:t>2016/3/29</a:t>
             </a:fld>
             <a:endParaRPr lang="zh-TW" altLang="en-US"/>
           </a:p>
@@ -704,7 +710,7 @@
           <a:p>
             <a:fld id="{D83AD0FD-864B-4D74-B194-BE48C2ADEE4E}" type="datetimeFigureOut">
               <a:rPr lang="zh-TW" altLang="en-US" smtClean="0"/>
-              <a:t>2016/3/28</a:t>
+              <a:t>2016/3/29</a:t>
             </a:fld>
             <a:endParaRPr lang="zh-TW" altLang="en-US"/>
           </a:p>
@@ -905,7 +911,7 @@
           <a:p>
             <a:fld id="{D83AD0FD-864B-4D74-B194-BE48C2ADEE4E}" type="datetimeFigureOut">
               <a:rPr lang="zh-TW" altLang="en-US" smtClean="0"/>
-              <a:t>2016/3/28</a:t>
+              <a:t>2016/3/29</a:t>
             </a:fld>
             <a:endParaRPr lang="zh-TW" altLang="en-US"/>
           </a:p>
@@ -1184,7 +1190,7 @@
           <a:p>
             <a:fld id="{D83AD0FD-864B-4D74-B194-BE48C2ADEE4E}" type="datetimeFigureOut">
               <a:rPr lang="zh-TW" altLang="en-US" smtClean="0"/>
-              <a:t>2016/3/28</a:t>
+              <a:t>2016/3/29</a:t>
             </a:fld>
             <a:endParaRPr lang="zh-TW" altLang="en-US"/>
           </a:p>
@@ -1452,7 +1458,7 @@
           <a:p>
             <a:fld id="{D83AD0FD-864B-4D74-B194-BE48C2ADEE4E}" type="datetimeFigureOut">
               <a:rPr lang="zh-TW" altLang="en-US" smtClean="0"/>
-              <a:t>2016/3/28</a:t>
+              <a:t>2016/3/29</a:t>
             </a:fld>
             <a:endParaRPr lang="zh-TW" altLang="en-US"/>
           </a:p>
@@ -1868,7 +1874,7 @@
           <a:p>
             <a:fld id="{D83AD0FD-864B-4D74-B194-BE48C2ADEE4E}" type="datetimeFigureOut">
               <a:rPr lang="zh-TW" altLang="en-US" smtClean="0"/>
-              <a:t>2016/3/28</a:t>
+              <a:t>2016/3/29</a:t>
             </a:fld>
             <a:endParaRPr lang="zh-TW" altLang="en-US"/>
           </a:p>
@@ -2017,7 +2023,7 @@
           <a:p>
             <a:fld id="{D83AD0FD-864B-4D74-B194-BE48C2ADEE4E}" type="datetimeFigureOut">
               <a:rPr lang="zh-TW" altLang="en-US" smtClean="0"/>
-              <a:t>2016/3/28</a:t>
+              <a:t>2016/3/29</a:t>
             </a:fld>
             <a:endParaRPr lang="zh-TW" altLang="en-US"/>
           </a:p>
@@ -2143,7 +2149,7 @@
           <a:p>
             <a:fld id="{D83AD0FD-864B-4D74-B194-BE48C2ADEE4E}" type="datetimeFigureOut">
               <a:rPr lang="zh-TW" altLang="en-US" smtClean="0"/>
-              <a:t>2016/3/28</a:t>
+              <a:t>2016/3/29</a:t>
             </a:fld>
             <a:endParaRPr lang="zh-TW" altLang="en-US"/>
           </a:p>
@@ -2394,7 +2400,7 @@
           <a:p>
             <a:fld id="{D83AD0FD-864B-4D74-B194-BE48C2ADEE4E}" type="datetimeFigureOut">
               <a:rPr lang="zh-TW" altLang="en-US" smtClean="0"/>
-              <a:t>2016/3/28</a:t>
+              <a:t>2016/3/29</a:t>
             </a:fld>
             <a:endParaRPr lang="zh-TW" altLang="en-US"/>
           </a:p>
@@ -2839,7 +2845,7 @@
           <a:p>
             <a:fld id="{D83AD0FD-864B-4D74-B194-BE48C2ADEE4E}" type="datetimeFigureOut">
               <a:rPr lang="zh-TW" altLang="en-US" smtClean="0"/>
-              <a:t>2016/3/28</a:t>
+              <a:t>2016/3/29</a:t>
             </a:fld>
             <a:endParaRPr lang="zh-TW" altLang="en-US"/>
           </a:p>
@@ -3165,7 +3171,7 @@
           <a:p>
             <a:fld id="{D83AD0FD-864B-4D74-B194-BE48C2ADEE4E}" type="datetimeFigureOut">
               <a:rPr lang="zh-TW" altLang="en-US" smtClean="0"/>
-              <a:t>2016/3/28</a:t>
+              <a:t>2016/3/29</a:t>
             </a:fld>
             <a:endParaRPr lang="zh-TW" altLang="en-US"/>
           </a:p>
@@ -3723,6 +3729,716 @@
 </p:sld>
 </file>
 
+<file path=ppt/slides/slide10.xml><?xml version="1.0" encoding="utf-8"?>
+<p:sld xmlns:a="http://schemas.openxmlformats.org/drawingml/2006/main" xmlns:r="http://schemas.openxmlformats.org/officeDocument/2006/relationships" xmlns:p="http://schemas.openxmlformats.org/presentationml/2006/main">
+  <p:cSld>
+    <p:spTree>
+      <p:nvGrpSpPr>
+        <p:cNvPr id="1" name=""/>
+        <p:cNvGrpSpPr/>
+        <p:nvPr/>
+      </p:nvGrpSpPr>
+      <p:grpSpPr>
+        <a:xfrm>
+          <a:off x="0" y="0"/>
+          <a:ext cx="0" cy="0"/>
+          <a:chOff x="0" y="0"/>
+          <a:chExt cx="0" cy="0"/>
+        </a:xfrm>
+      </p:grpSpPr>
+      <p:sp>
+        <p:nvSpPr>
+          <p:cNvPr id="27" name="標題 26"/>
+          <p:cNvSpPr>
+            <a:spLocks noGrp="1"/>
+          </p:cNvSpPr>
+          <p:nvPr>
+            <p:ph type="title"/>
+          </p:nvPr>
+        </p:nvSpPr>
+        <p:spPr/>
+        <p:txBody>
+          <a:bodyPr/>
+          <a:lstStyle/>
+          <a:p>
+            <a:endParaRPr lang="zh-TW" altLang="en-US" dirty="0"/>
+          </a:p>
+        </p:txBody>
+      </p:sp>
+      <p:pic>
+        <p:nvPicPr>
+          <p:cNvPr id="14" name="內容版面配置區 13"/>
+          <p:cNvPicPr>
+            <a:picLocks noGrp="1" noChangeAspect="1"/>
+          </p:cNvPicPr>
+          <p:nvPr>
+            <p:ph idx="1"/>
+          </p:nvPr>
+        </p:nvPicPr>
+        <p:blipFill>
+          <a:blip r:embed="rId2">
+            <a:extLst>
+              <a:ext uri="{28A0092B-C50C-407E-A947-70E740481C1C}">
+                <a14:useLocalDpi xmlns:a14="http://schemas.microsoft.com/office/drawing/2010/main" val="0"/>
+              </a:ext>
+            </a:extLst>
+          </a:blip>
+          <a:stretch>
+            <a:fillRect/>
+          </a:stretch>
+        </p:blipFill>
+        <p:spPr>
+          <a:xfrm flipH="1" flipV="1">
+            <a:off x="927555" y="1895263"/>
+            <a:ext cx="1440000" cy="1440000"/>
+          </a:xfrm>
+        </p:spPr>
+      </p:pic>
+      <p:pic>
+        <p:nvPicPr>
+          <p:cNvPr id="15" name="圖片 14"/>
+          <p:cNvPicPr>
+            <a:picLocks noChangeAspect="1"/>
+          </p:cNvPicPr>
+          <p:nvPr/>
+        </p:nvPicPr>
+        <p:blipFill>
+          <a:blip r:embed="rId3">
+            <a:extLst>
+              <a:ext uri="{28A0092B-C50C-407E-A947-70E740481C1C}">
+                <a14:useLocalDpi xmlns:a14="http://schemas.microsoft.com/office/drawing/2010/main" val="0"/>
+              </a:ext>
+            </a:extLst>
+          </a:blip>
+          <a:stretch>
+            <a:fillRect/>
+          </a:stretch>
+        </p:blipFill>
+        <p:spPr>
+          <a:xfrm>
+            <a:off x="7374822" y="1966283"/>
+            <a:ext cx="1440000" cy="1440000"/>
+          </a:xfrm>
+          <a:prstGeom prst="rect">
+            <a:avLst/>
+          </a:prstGeom>
+        </p:spPr>
+      </p:pic>
+      <p:pic>
+        <p:nvPicPr>
+          <p:cNvPr id="20" name="圖片 19"/>
+          <p:cNvPicPr>
+            <a:picLocks noChangeAspect="1"/>
+          </p:cNvPicPr>
+          <p:nvPr/>
+        </p:nvPicPr>
+        <p:blipFill>
+          <a:blip r:embed="rId4">
+            <a:extLst>
+              <a:ext uri="{28A0092B-C50C-407E-A947-70E740481C1C}">
+                <a14:useLocalDpi xmlns:a14="http://schemas.microsoft.com/office/drawing/2010/main" val="0"/>
+              </a:ext>
+            </a:extLst>
+          </a:blip>
+          <a:stretch>
+            <a:fillRect/>
+          </a:stretch>
+        </p:blipFill>
+        <p:spPr>
+          <a:xfrm>
+            <a:off x="5134790" y="1966283"/>
+            <a:ext cx="1440000" cy="1440000"/>
+          </a:xfrm>
+          <a:prstGeom prst="rect">
+            <a:avLst/>
+          </a:prstGeom>
+        </p:spPr>
+      </p:pic>
+      <p:pic>
+        <p:nvPicPr>
+          <p:cNvPr id="22" name="圖片 21"/>
+          <p:cNvPicPr>
+            <a:picLocks noChangeAspect="1"/>
+          </p:cNvPicPr>
+          <p:nvPr/>
+        </p:nvPicPr>
+        <p:blipFill>
+          <a:blip r:embed="rId5">
+            <a:extLst>
+              <a:ext uri="{28A0092B-C50C-407E-A947-70E740481C1C}">
+                <a14:useLocalDpi xmlns:a14="http://schemas.microsoft.com/office/drawing/2010/main" val="0"/>
+              </a:ext>
+            </a:extLst>
+          </a:blip>
+          <a:stretch>
+            <a:fillRect/>
+          </a:stretch>
+        </p:blipFill>
+        <p:spPr>
+          <a:xfrm>
+            <a:off x="9614854" y="1966283"/>
+            <a:ext cx="1440000" cy="1440000"/>
+          </a:xfrm>
+          <a:prstGeom prst="rect">
+            <a:avLst/>
+          </a:prstGeom>
+        </p:spPr>
+      </p:pic>
+      <p:pic>
+        <p:nvPicPr>
+          <p:cNvPr id="24" name="圖片 23"/>
+          <p:cNvPicPr>
+            <a:picLocks noChangeAspect="1"/>
+          </p:cNvPicPr>
+          <p:nvPr/>
+        </p:nvPicPr>
+        <p:blipFill>
+          <a:blip r:embed="rId6">
+            <a:extLst>
+              <a:ext uri="{28A0092B-C50C-407E-A947-70E740481C1C}">
+                <a14:useLocalDpi xmlns:a14="http://schemas.microsoft.com/office/drawing/2010/main" val="0"/>
+              </a:ext>
+            </a:extLst>
+          </a:blip>
+          <a:stretch>
+            <a:fillRect/>
+          </a:stretch>
+        </p:blipFill>
+        <p:spPr>
+          <a:xfrm>
+            <a:off x="3909361" y="3913349"/>
+            <a:ext cx="1440000" cy="1440000"/>
+          </a:xfrm>
+          <a:prstGeom prst="rect">
+            <a:avLst/>
+          </a:prstGeom>
+        </p:spPr>
+      </p:pic>
+      <p:pic>
+        <p:nvPicPr>
+          <p:cNvPr id="25" name="圖片 24"/>
+          <p:cNvPicPr>
+            <a:picLocks noChangeAspect="1"/>
+          </p:cNvPicPr>
+          <p:nvPr/>
+        </p:nvPicPr>
+        <p:blipFill>
+          <a:blip r:embed="rId7">
+            <a:extLst>
+              <a:ext uri="{28A0092B-C50C-407E-A947-70E740481C1C}">
+                <a14:useLocalDpi xmlns:a14="http://schemas.microsoft.com/office/drawing/2010/main" val="0"/>
+              </a:ext>
+            </a:extLst>
+          </a:blip>
+          <a:stretch>
+            <a:fillRect/>
+          </a:stretch>
+        </p:blipFill>
+        <p:spPr>
+          <a:xfrm>
+            <a:off x="6654822" y="3913349"/>
+            <a:ext cx="1440000" cy="1440000"/>
+          </a:xfrm>
+          <a:prstGeom prst="rect">
+            <a:avLst/>
+          </a:prstGeom>
+        </p:spPr>
+      </p:pic>
+      <p:pic>
+        <p:nvPicPr>
+          <p:cNvPr id="26" name="圖片 25"/>
+          <p:cNvPicPr>
+            <a:picLocks noChangeAspect="1"/>
+          </p:cNvPicPr>
+          <p:nvPr/>
+        </p:nvPicPr>
+        <p:blipFill>
+          <a:blip r:embed="rId8">
+            <a:extLst>
+              <a:ext uri="{28A0092B-C50C-407E-A947-70E740481C1C}">
+                <a14:useLocalDpi xmlns:a14="http://schemas.microsoft.com/office/drawing/2010/main" val="0"/>
+              </a:ext>
+            </a:extLst>
+          </a:blip>
+          <a:stretch>
+            <a:fillRect/>
+          </a:stretch>
+        </p:blipFill>
+        <p:spPr>
+          <a:xfrm>
+            <a:off x="2894758" y="1966283"/>
+            <a:ext cx="1440000" cy="1440000"/>
+          </a:xfrm>
+          <a:prstGeom prst="rect">
+            <a:avLst/>
+          </a:prstGeom>
+        </p:spPr>
+      </p:pic>
+    </p:spTree>
+    <p:extLst>
+      <p:ext uri="{BB962C8B-B14F-4D97-AF65-F5344CB8AC3E}">
+        <p14:creationId xmlns:p14="http://schemas.microsoft.com/office/powerpoint/2010/main" val="2456906170"/>
+      </p:ext>
+    </p:extLst>
+  </p:cSld>
+  <p:clrMapOvr>
+    <a:masterClrMapping/>
+  </p:clrMapOvr>
+  <p:timing>
+    <p:tnLst>
+      <p:par>
+        <p:cTn id="1" dur="indefinite" restart="never" nodeType="tmRoot">
+          <p:childTnLst>
+            <p:seq concurrent="1" nextAc="seek">
+              <p:cTn id="2" dur="indefinite" nodeType="mainSeq">
+                <p:childTnLst>
+                  <p:par>
+                    <p:cTn id="3" fill="hold">
+                      <p:stCondLst>
+                        <p:cond delay="indefinite"/>
+                        <p:cond evt="onBegin" delay="0">
+                          <p:tn val="2"/>
+                        </p:cond>
+                      </p:stCondLst>
+                      <p:childTnLst>
+                        <p:par>
+                          <p:cTn id="4" fill="hold">
+                            <p:stCondLst>
+                              <p:cond delay="0"/>
+                            </p:stCondLst>
+                            <p:childTnLst>
+                              <p:par>
+                                <p:cTn id="5" presetID="10" presetClass="entr" presetSubtype="0" fill="hold" nodeType="afterEffect">
+                                  <p:stCondLst>
+                                    <p:cond delay="0"/>
+                                  </p:stCondLst>
+                                  <p:childTnLst>
+                                    <p:set>
+                                      <p:cBhvr>
+                                        <p:cTn id="6" dur="1" fill="hold">
+                                          <p:stCondLst>
+                                            <p:cond delay="0"/>
+                                          </p:stCondLst>
+                                        </p:cTn>
+                                        <p:tgtEl>
+                                          <p:spTgt spid="14"/>
+                                        </p:tgtEl>
+                                        <p:attrNameLst>
+                                          <p:attrName>style.visibility</p:attrName>
+                                        </p:attrNameLst>
+                                      </p:cBhvr>
+                                      <p:to>
+                                        <p:strVal val="visible"/>
+                                      </p:to>
+                                    </p:set>
+                                    <p:animEffect transition="in" filter="fade">
+                                      <p:cBhvr>
+                                        <p:cTn id="7" dur="500"/>
+                                        <p:tgtEl>
+                                          <p:spTgt spid="14"/>
+                                        </p:tgtEl>
+                                      </p:cBhvr>
+                                    </p:animEffect>
+                                  </p:childTnLst>
+                                </p:cTn>
+                              </p:par>
+                            </p:childTnLst>
+                          </p:cTn>
+                        </p:par>
+                        <p:par>
+                          <p:cTn id="8" fill="hold">
+                            <p:stCondLst>
+                              <p:cond delay="500"/>
+                            </p:stCondLst>
+                            <p:childTnLst>
+                              <p:par>
+                                <p:cTn id="9" presetID="10" presetClass="entr" presetSubtype="0" fill="hold" nodeType="afterEffect">
+                                  <p:stCondLst>
+                                    <p:cond delay="0"/>
+                                  </p:stCondLst>
+                                  <p:childTnLst>
+                                    <p:set>
+                                      <p:cBhvr>
+                                        <p:cTn id="10" dur="1" fill="hold">
+                                          <p:stCondLst>
+                                            <p:cond delay="0"/>
+                                          </p:stCondLst>
+                                        </p:cTn>
+                                        <p:tgtEl>
+                                          <p:spTgt spid="26"/>
+                                        </p:tgtEl>
+                                        <p:attrNameLst>
+                                          <p:attrName>style.visibility</p:attrName>
+                                        </p:attrNameLst>
+                                      </p:cBhvr>
+                                      <p:to>
+                                        <p:strVal val="visible"/>
+                                      </p:to>
+                                    </p:set>
+                                    <p:animEffect transition="in" filter="fade">
+                                      <p:cBhvr>
+                                        <p:cTn id="11" dur="500"/>
+                                        <p:tgtEl>
+                                          <p:spTgt spid="26"/>
+                                        </p:tgtEl>
+                                      </p:cBhvr>
+                                    </p:animEffect>
+                                  </p:childTnLst>
+                                </p:cTn>
+                              </p:par>
+                            </p:childTnLst>
+                          </p:cTn>
+                        </p:par>
+                        <p:par>
+                          <p:cTn id="12" fill="hold">
+                            <p:stCondLst>
+                              <p:cond delay="1000"/>
+                            </p:stCondLst>
+                            <p:childTnLst>
+                              <p:par>
+                                <p:cTn id="13" presetID="10" presetClass="entr" presetSubtype="0" fill="hold" nodeType="afterEffect">
+                                  <p:stCondLst>
+                                    <p:cond delay="0"/>
+                                  </p:stCondLst>
+                                  <p:childTnLst>
+                                    <p:set>
+                                      <p:cBhvr>
+                                        <p:cTn id="14" dur="1" fill="hold">
+                                          <p:stCondLst>
+                                            <p:cond delay="0"/>
+                                          </p:stCondLst>
+                                        </p:cTn>
+                                        <p:tgtEl>
+                                          <p:spTgt spid="20"/>
+                                        </p:tgtEl>
+                                        <p:attrNameLst>
+                                          <p:attrName>style.visibility</p:attrName>
+                                        </p:attrNameLst>
+                                      </p:cBhvr>
+                                      <p:to>
+                                        <p:strVal val="visible"/>
+                                      </p:to>
+                                    </p:set>
+                                    <p:animEffect transition="in" filter="fade">
+                                      <p:cBhvr>
+                                        <p:cTn id="15" dur="500"/>
+                                        <p:tgtEl>
+                                          <p:spTgt spid="20"/>
+                                        </p:tgtEl>
+                                      </p:cBhvr>
+                                    </p:animEffect>
+                                  </p:childTnLst>
+                                </p:cTn>
+                              </p:par>
+                            </p:childTnLst>
+                          </p:cTn>
+                        </p:par>
+                        <p:par>
+                          <p:cTn id="16" fill="hold">
+                            <p:stCondLst>
+                              <p:cond delay="1500"/>
+                            </p:stCondLst>
+                            <p:childTnLst>
+                              <p:par>
+                                <p:cTn id="17" presetID="10" presetClass="entr" presetSubtype="0" fill="hold" nodeType="afterEffect">
+                                  <p:stCondLst>
+                                    <p:cond delay="0"/>
+                                  </p:stCondLst>
+                                  <p:childTnLst>
+                                    <p:set>
+                                      <p:cBhvr>
+                                        <p:cTn id="18" dur="1" fill="hold">
+                                          <p:stCondLst>
+                                            <p:cond delay="0"/>
+                                          </p:stCondLst>
+                                        </p:cTn>
+                                        <p:tgtEl>
+                                          <p:spTgt spid="15"/>
+                                        </p:tgtEl>
+                                        <p:attrNameLst>
+                                          <p:attrName>style.visibility</p:attrName>
+                                        </p:attrNameLst>
+                                      </p:cBhvr>
+                                      <p:to>
+                                        <p:strVal val="visible"/>
+                                      </p:to>
+                                    </p:set>
+                                    <p:animEffect transition="in" filter="fade">
+                                      <p:cBhvr>
+                                        <p:cTn id="19" dur="500"/>
+                                        <p:tgtEl>
+                                          <p:spTgt spid="15"/>
+                                        </p:tgtEl>
+                                      </p:cBhvr>
+                                    </p:animEffect>
+                                  </p:childTnLst>
+                                </p:cTn>
+                              </p:par>
+                            </p:childTnLst>
+                          </p:cTn>
+                        </p:par>
+                        <p:par>
+                          <p:cTn id="20" fill="hold">
+                            <p:stCondLst>
+                              <p:cond delay="2000"/>
+                            </p:stCondLst>
+                            <p:childTnLst>
+                              <p:par>
+                                <p:cTn id="21" presetID="10" presetClass="entr" presetSubtype="0" fill="hold" nodeType="afterEffect">
+                                  <p:stCondLst>
+                                    <p:cond delay="0"/>
+                                  </p:stCondLst>
+                                  <p:childTnLst>
+                                    <p:set>
+                                      <p:cBhvr>
+                                        <p:cTn id="22" dur="1" fill="hold">
+                                          <p:stCondLst>
+                                            <p:cond delay="0"/>
+                                          </p:stCondLst>
+                                        </p:cTn>
+                                        <p:tgtEl>
+                                          <p:spTgt spid="22"/>
+                                        </p:tgtEl>
+                                        <p:attrNameLst>
+                                          <p:attrName>style.visibility</p:attrName>
+                                        </p:attrNameLst>
+                                      </p:cBhvr>
+                                      <p:to>
+                                        <p:strVal val="visible"/>
+                                      </p:to>
+                                    </p:set>
+                                    <p:animEffect transition="in" filter="fade">
+                                      <p:cBhvr>
+                                        <p:cTn id="23" dur="500"/>
+                                        <p:tgtEl>
+                                          <p:spTgt spid="22"/>
+                                        </p:tgtEl>
+                                      </p:cBhvr>
+                                    </p:animEffect>
+                                  </p:childTnLst>
+                                </p:cTn>
+                              </p:par>
+                            </p:childTnLst>
+                          </p:cTn>
+                        </p:par>
+                        <p:par>
+                          <p:cTn id="24" fill="hold">
+                            <p:stCondLst>
+                              <p:cond delay="2500"/>
+                            </p:stCondLst>
+                            <p:childTnLst>
+                              <p:par>
+                                <p:cTn id="25" presetID="10" presetClass="entr" presetSubtype="0" fill="hold" nodeType="afterEffect">
+                                  <p:stCondLst>
+                                    <p:cond delay="0"/>
+                                  </p:stCondLst>
+                                  <p:childTnLst>
+                                    <p:set>
+                                      <p:cBhvr>
+                                        <p:cTn id="26" dur="1" fill="hold">
+                                          <p:stCondLst>
+                                            <p:cond delay="0"/>
+                                          </p:stCondLst>
+                                        </p:cTn>
+                                        <p:tgtEl>
+                                          <p:spTgt spid="24"/>
+                                        </p:tgtEl>
+                                        <p:attrNameLst>
+                                          <p:attrName>style.visibility</p:attrName>
+                                        </p:attrNameLst>
+                                      </p:cBhvr>
+                                      <p:to>
+                                        <p:strVal val="visible"/>
+                                      </p:to>
+                                    </p:set>
+                                    <p:animEffect transition="in" filter="fade">
+                                      <p:cBhvr>
+                                        <p:cTn id="27" dur="500"/>
+                                        <p:tgtEl>
+                                          <p:spTgt spid="24"/>
+                                        </p:tgtEl>
+                                      </p:cBhvr>
+                                    </p:animEffect>
+                                  </p:childTnLst>
+                                </p:cTn>
+                              </p:par>
+                            </p:childTnLst>
+                          </p:cTn>
+                        </p:par>
+                        <p:par>
+                          <p:cTn id="28" fill="hold">
+                            <p:stCondLst>
+                              <p:cond delay="3000"/>
+                            </p:stCondLst>
+                            <p:childTnLst>
+                              <p:par>
+                                <p:cTn id="29" presetID="10" presetClass="entr" presetSubtype="0" fill="hold" nodeType="afterEffect">
+                                  <p:stCondLst>
+                                    <p:cond delay="0"/>
+                                  </p:stCondLst>
+                                  <p:childTnLst>
+                                    <p:set>
+                                      <p:cBhvr>
+                                        <p:cTn id="30" dur="1" fill="hold">
+                                          <p:stCondLst>
+                                            <p:cond delay="0"/>
+                                          </p:stCondLst>
+                                        </p:cTn>
+                                        <p:tgtEl>
+                                          <p:spTgt spid="25"/>
+                                        </p:tgtEl>
+                                        <p:attrNameLst>
+                                          <p:attrName>style.visibility</p:attrName>
+                                        </p:attrNameLst>
+                                      </p:cBhvr>
+                                      <p:to>
+                                        <p:strVal val="visible"/>
+                                      </p:to>
+                                    </p:set>
+                                    <p:animEffect transition="in" filter="fade">
+                                      <p:cBhvr>
+                                        <p:cTn id="31" dur="500"/>
+                                        <p:tgtEl>
+                                          <p:spTgt spid="25"/>
+                                        </p:tgtEl>
+                                      </p:cBhvr>
+                                    </p:animEffect>
+                                  </p:childTnLst>
+                                </p:cTn>
+                              </p:par>
+                            </p:childTnLst>
+                          </p:cTn>
+                        </p:par>
+                      </p:childTnLst>
+                    </p:cTn>
+                  </p:par>
+                </p:childTnLst>
+              </p:cTn>
+              <p:prevCondLst>
+                <p:cond evt="onPrev" delay="0">
+                  <p:tgtEl>
+                    <p:sldTgt/>
+                  </p:tgtEl>
+                </p:cond>
+              </p:prevCondLst>
+              <p:nextCondLst>
+                <p:cond evt="onNext" delay="0">
+                  <p:tgtEl>
+                    <p:sldTgt/>
+                  </p:tgtEl>
+                </p:cond>
+              </p:nextCondLst>
+            </p:seq>
+          </p:childTnLst>
+        </p:cTn>
+      </p:par>
+    </p:tnLst>
+  </p:timing>
+</p:sld>
+</file>
+
+<file path=ppt/slides/slide11.xml><?xml version="1.0" encoding="utf-8"?>
+<p:sld xmlns:a="http://schemas.openxmlformats.org/drawingml/2006/main" xmlns:r="http://schemas.openxmlformats.org/officeDocument/2006/relationships" xmlns:p="http://schemas.openxmlformats.org/presentationml/2006/main">
+  <p:cSld>
+    <p:spTree>
+      <p:nvGrpSpPr>
+        <p:cNvPr id="1" name=""/>
+        <p:cNvGrpSpPr/>
+        <p:nvPr/>
+      </p:nvGrpSpPr>
+      <p:grpSpPr>
+        <a:xfrm>
+          <a:off x="0" y="0"/>
+          <a:ext cx="0" cy="0"/>
+          <a:chOff x="0" y="0"/>
+          <a:chExt cx="0" cy="0"/>
+        </a:xfrm>
+      </p:grpSpPr>
+      <p:sp>
+        <p:nvSpPr>
+          <p:cNvPr id="2" name="標題 1"/>
+          <p:cNvSpPr>
+            <a:spLocks noGrp="1"/>
+          </p:cNvSpPr>
+          <p:nvPr>
+            <p:ph type="title"/>
+          </p:nvPr>
+        </p:nvSpPr>
+        <p:spPr/>
+        <p:txBody>
+          <a:bodyPr/>
+          <a:lstStyle/>
+          <a:p>
+            <a:br>
+              <a:rPr lang="en-US" altLang="zh-TW" dirty="0"/>
+            </a:br>
+            <a:r>
+              <a:rPr lang="en-US" altLang="zh-TW" dirty="0"/>
+              <a:t>END…..</a:t>
+            </a:r>
+            <a:endParaRPr lang="zh-TW" altLang="en-US" dirty="0"/>
+          </a:p>
+        </p:txBody>
+      </p:sp>
+      <p:sp>
+        <p:nvSpPr>
+          <p:cNvPr id="3" name="內容版面配置區 2"/>
+          <p:cNvSpPr>
+            <a:spLocks noGrp="1"/>
+          </p:cNvSpPr>
+          <p:nvPr>
+            <p:ph idx="1"/>
+          </p:nvPr>
+        </p:nvSpPr>
+        <p:spPr/>
+        <p:txBody>
+          <a:bodyPr/>
+          <a:lstStyle/>
+          <a:p>
+            <a:r>
+              <a:rPr lang="zh-TW" altLang="en-US" dirty="0"/>
+              <a:t>代表人：謝嘉瑋</a:t>
+            </a:r>
+            <a:endParaRPr lang="en-US" altLang="zh-TW" dirty="0"/>
+          </a:p>
+          <a:p>
+            <a:r>
+              <a:rPr lang="zh-TW" altLang="en-US" dirty="0"/>
+              <a:t>電子信箱：</a:t>
+            </a:r>
+            <a:r>
+              <a:rPr lang="en-US" altLang="zh-TW" dirty="0">
+                <a:hlinkClick r:id="rId2"/>
+              </a:rPr>
+              <a:t>wesstation2@gmail.com</a:t>
+            </a:r>
+            <a:endParaRPr lang="en-US" altLang="zh-TW" dirty="0"/>
+          </a:p>
+          <a:p>
+            <a:r>
+              <a:rPr lang="zh-TW" altLang="en-US" dirty="0"/>
+              <a:t>手機：</a:t>
+            </a:r>
+            <a:r>
+              <a:rPr lang="en-US" altLang="zh-TW" dirty="0"/>
+              <a:t>0911-873-702</a:t>
+            </a:r>
+          </a:p>
+        </p:txBody>
+      </p:sp>
+    </p:spTree>
+    <p:extLst>
+      <p:ext uri="{BB962C8B-B14F-4D97-AF65-F5344CB8AC3E}">
+        <p14:creationId xmlns:p14="http://schemas.microsoft.com/office/powerpoint/2010/main" val="2159592486"/>
+      </p:ext>
+    </p:extLst>
+  </p:cSld>
+  <p:clrMapOvr>
+    <a:masterClrMapping/>
+  </p:clrMapOvr>
+</p:sld>
+</file>
+
 <file path=ppt/slides/slide2.xml><?xml version="1.0" encoding="utf-8"?>
 <p:sld xmlns:a="http://schemas.openxmlformats.org/drawingml/2006/main" xmlns:r="http://schemas.openxmlformats.org/officeDocument/2006/relationships" xmlns:p="http://schemas.openxmlformats.org/presentationml/2006/main">
   <p:cSld>
@@ -4281,6 +4997,407 @@
   <p:clrMapOvr>
     <a:masterClrMapping/>
   </p:clrMapOvr>
+  <p:timing>
+    <p:tnLst>
+      <p:par>
+        <p:cTn id="1" dur="indefinite" restart="never" nodeType="tmRoot">
+          <p:childTnLst>
+            <p:seq concurrent="1" nextAc="seek">
+              <p:cTn id="2" dur="indefinite" nodeType="mainSeq">
+                <p:childTnLst>
+                  <p:par>
+                    <p:cTn id="3" fill="hold">
+                      <p:stCondLst>
+                        <p:cond delay="indefinite"/>
+                      </p:stCondLst>
+                      <p:childTnLst>
+                        <p:par>
+                          <p:cTn id="4" fill="hold">
+                            <p:stCondLst>
+                              <p:cond delay="0"/>
+                            </p:stCondLst>
+                            <p:childTnLst>
+                              <p:par>
+                                <p:cTn id="5" presetID="10" presetClass="entr" presetSubtype="0" fill="hold" nodeType="clickEffect">
+                                  <p:stCondLst>
+                                    <p:cond delay="0"/>
+                                  </p:stCondLst>
+                                  <p:childTnLst>
+                                    <p:set>
+                                      <p:cBhvr>
+                                        <p:cTn id="6" dur="1" fill="hold">
+                                          <p:stCondLst>
+                                            <p:cond delay="0"/>
+                                          </p:stCondLst>
+                                        </p:cTn>
+                                        <p:tgtEl>
+                                          <p:spTgt spid="14"/>
+                                        </p:tgtEl>
+                                        <p:attrNameLst>
+                                          <p:attrName>style.visibility</p:attrName>
+                                        </p:attrNameLst>
+                                      </p:cBhvr>
+                                      <p:to>
+                                        <p:strVal val="visible"/>
+                                      </p:to>
+                                    </p:set>
+                                    <p:animEffect transition="in" filter="fade">
+                                      <p:cBhvr>
+                                        <p:cTn id="7" dur="500"/>
+                                        <p:tgtEl>
+                                          <p:spTgt spid="14"/>
+                                        </p:tgtEl>
+                                      </p:cBhvr>
+                                    </p:animEffect>
+                                  </p:childTnLst>
+                                </p:cTn>
+                              </p:par>
+                            </p:childTnLst>
+                          </p:cTn>
+                        </p:par>
+                      </p:childTnLst>
+                    </p:cTn>
+                  </p:par>
+                  <p:par>
+                    <p:cTn id="8" fill="hold">
+                      <p:stCondLst>
+                        <p:cond delay="indefinite"/>
+                      </p:stCondLst>
+                      <p:childTnLst>
+                        <p:par>
+                          <p:cTn id="9" fill="hold">
+                            <p:stCondLst>
+                              <p:cond delay="0"/>
+                            </p:stCondLst>
+                            <p:childTnLst>
+                              <p:par>
+                                <p:cTn id="10" presetID="10" presetClass="entr" presetSubtype="0" fill="hold" nodeType="clickEffect">
+                                  <p:stCondLst>
+                                    <p:cond delay="0"/>
+                                  </p:stCondLst>
+                                  <p:childTnLst>
+                                    <p:set>
+                                      <p:cBhvr>
+                                        <p:cTn id="11" dur="1" fill="hold">
+                                          <p:stCondLst>
+                                            <p:cond delay="0"/>
+                                          </p:stCondLst>
+                                        </p:cTn>
+                                        <p:tgtEl>
+                                          <p:spTgt spid="26"/>
+                                        </p:tgtEl>
+                                        <p:attrNameLst>
+                                          <p:attrName>style.visibility</p:attrName>
+                                        </p:attrNameLst>
+                                      </p:cBhvr>
+                                      <p:to>
+                                        <p:strVal val="visible"/>
+                                      </p:to>
+                                    </p:set>
+                                    <p:animEffect transition="in" filter="fade">
+                                      <p:cBhvr>
+                                        <p:cTn id="12" dur="500"/>
+                                        <p:tgtEl>
+                                          <p:spTgt spid="26"/>
+                                        </p:tgtEl>
+                                      </p:cBhvr>
+                                    </p:animEffect>
+                                  </p:childTnLst>
+                                </p:cTn>
+                              </p:par>
+                            </p:childTnLst>
+                          </p:cTn>
+                        </p:par>
+                      </p:childTnLst>
+                    </p:cTn>
+                  </p:par>
+                  <p:par>
+                    <p:cTn id="13" fill="hold">
+                      <p:stCondLst>
+                        <p:cond delay="indefinite"/>
+                      </p:stCondLst>
+                      <p:childTnLst>
+                        <p:par>
+                          <p:cTn id="14" fill="hold">
+                            <p:stCondLst>
+                              <p:cond delay="0"/>
+                            </p:stCondLst>
+                            <p:childTnLst>
+                              <p:par>
+                                <p:cTn id="15" presetID="10" presetClass="entr" presetSubtype="0" fill="hold" nodeType="clickEffect">
+                                  <p:stCondLst>
+                                    <p:cond delay="0"/>
+                                  </p:stCondLst>
+                                  <p:childTnLst>
+                                    <p:set>
+                                      <p:cBhvr>
+                                        <p:cTn id="16" dur="1" fill="hold">
+                                          <p:stCondLst>
+                                            <p:cond delay="0"/>
+                                          </p:stCondLst>
+                                        </p:cTn>
+                                        <p:tgtEl>
+                                          <p:spTgt spid="20"/>
+                                        </p:tgtEl>
+                                        <p:attrNameLst>
+                                          <p:attrName>style.visibility</p:attrName>
+                                        </p:attrNameLst>
+                                      </p:cBhvr>
+                                      <p:to>
+                                        <p:strVal val="visible"/>
+                                      </p:to>
+                                    </p:set>
+                                    <p:animEffect transition="in" filter="fade">
+                                      <p:cBhvr>
+                                        <p:cTn id="17" dur="500"/>
+                                        <p:tgtEl>
+                                          <p:spTgt spid="20"/>
+                                        </p:tgtEl>
+                                      </p:cBhvr>
+                                    </p:animEffect>
+                                  </p:childTnLst>
+                                </p:cTn>
+                              </p:par>
+                            </p:childTnLst>
+                          </p:cTn>
+                        </p:par>
+                      </p:childTnLst>
+                    </p:cTn>
+                  </p:par>
+                  <p:par>
+                    <p:cTn id="18" fill="hold">
+                      <p:stCondLst>
+                        <p:cond delay="indefinite"/>
+                      </p:stCondLst>
+                      <p:childTnLst>
+                        <p:par>
+                          <p:cTn id="19" fill="hold">
+                            <p:stCondLst>
+                              <p:cond delay="0"/>
+                            </p:stCondLst>
+                            <p:childTnLst>
+                              <p:par>
+                                <p:cTn id="20" presetID="10" presetClass="entr" presetSubtype="0" fill="hold" nodeType="clickEffect">
+                                  <p:stCondLst>
+                                    <p:cond delay="0"/>
+                                  </p:stCondLst>
+                                  <p:childTnLst>
+                                    <p:set>
+                                      <p:cBhvr>
+                                        <p:cTn id="21" dur="1" fill="hold">
+                                          <p:stCondLst>
+                                            <p:cond delay="0"/>
+                                          </p:stCondLst>
+                                        </p:cTn>
+                                        <p:tgtEl>
+                                          <p:spTgt spid="15"/>
+                                        </p:tgtEl>
+                                        <p:attrNameLst>
+                                          <p:attrName>style.visibility</p:attrName>
+                                        </p:attrNameLst>
+                                      </p:cBhvr>
+                                      <p:to>
+                                        <p:strVal val="visible"/>
+                                      </p:to>
+                                    </p:set>
+                                    <p:animEffect transition="in" filter="fade">
+                                      <p:cBhvr>
+                                        <p:cTn id="22" dur="500"/>
+                                        <p:tgtEl>
+                                          <p:spTgt spid="15"/>
+                                        </p:tgtEl>
+                                      </p:cBhvr>
+                                    </p:animEffect>
+                                  </p:childTnLst>
+                                </p:cTn>
+                              </p:par>
+                            </p:childTnLst>
+                          </p:cTn>
+                        </p:par>
+                      </p:childTnLst>
+                    </p:cTn>
+                  </p:par>
+                  <p:par>
+                    <p:cTn id="23" fill="hold">
+                      <p:stCondLst>
+                        <p:cond delay="indefinite"/>
+                      </p:stCondLst>
+                      <p:childTnLst>
+                        <p:par>
+                          <p:cTn id="24" fill="hold">
+                            <p:stCondLst>
+                              <p:cond delay="0"/>
+                            </p:stCondLst>
+                            <p:childTnLst>
+                              <p:par>
+                                <p:cTn id="25" presetID="10" presetClass="entr" presetSubtype="0" fill="hold" nodeType="clickEffect">
+                                  <p:stCondLst>
+                                    <p:cond delay="0"/>
+                                  </p:stCondLst>
+                                  <p:childTnLst>
+                                    <p:set>
+                                      <p:cBhvr>
+                                        <p:cTn id="26" dur="1" fill="hold">
+                                          <p:stCondLst>
+                                            <p:cond delay="0"/>
+                                          </p:stCondLst>
+                                        </p:cTn>
+                                        <p:tgtEl>
+                                          <p:spTgt spid="22"/>
+                                        </p:tgtEl>
+                                        <p:attrNameLst>
+                                          <p:attrName>style.visibility</p:attrName>
+                                        </p:attrNameLst>
+                                      </p:cBhvr>
+                                      <p:to>
+                                        <p:strVal val="visible"/>
+                                      </p:to>
+                                    </p:set>
+                                    <p:animEffect transition="in" filter="fade">
+                                      <p:cBhvr>
+                                        <p:cTn id="27" dur="500"/>
+                                        <p:tgtEl>
+                                          <p:spTgt spid="22"/>
+                                        </p:tgtEl>
+                                      </p:cBhvr>
+                                    </p:animEffect>
+                                  </p:childTnLst>
+                                </p:cTn>
+                              </p:par>
+                            </p:childTnLst>
+                          </p:cTn>
+                        </p:par>
+                      </p:childTnLst>
+                    </p:cTn>
+                  </p:par>
+                  <p:par>
+                    <p:cTn id="28" fill="hold">
+                      <p:stCondLst>
+                        <p:cond delay="indefinite"/>
+                      </p:stCondLst>
+                      <p:childTnLst>
+                        <p:par>
+                          <p:cTn id="29" fill="hold">
+                            <p:stCondLst>
+                              <p:cond delay="0"/>
+                            </p:stCondLst>
+                            <p:childTnLst>
+                              <p:par>
+                                <p:cTn id="30" presetID="10" presetClass="entr" presetSubtype="0" fill="hold" nodeType="clickEffect">
+                                  <p:stCondLst>
+                                    <p:cond delay="0"/>
+                                  </p:stCondLst>
+                                  <p:childTnLst>
+                                    <p:set>
+                                      <p:cBhvr>
+                                        <p:cTn id="31" dur="1" fill="hold">
+                                          <p:stCondLst>
+                                            <p:cond delay="0"/>
+                                          </p:stCondLst>
+                                        </p:cTn>
+                                        <p:tgtEl>
+                                          <p:spTgt spid="24"/>
+                                        </p:tgtEl>
+                                        <p:attrNameLst>
+                                          <p:attrName>style.visibility</p:attrName>
+                                        </p:attrNameLst>
+                                      </p:cBhvr>
+                                      <p:to>
+                                        <p:strVal val="visible"/>
+                                      </p:to>
+                                    </p:set>
+                                    <p:animEffect transition="in" filter="fade">
+                                      <p:cBhvr>
+                                        <p:cTn id="32" dur="500"/>
+                                        <p:tgtEl>
+                                          <p:spTgt spid="24"/>
+                                        </p:tgtEl>
+                                      </p:cBhvr>
+                                    </p:animEffect>
+                                  </p:childTnLst>
+                                </p:cTn>
+                              </p:par>
+                            </p:childTnLst>
+                          </p:cTn>
+                        </p:par>
+                      </p:childTnLst>
+                    </p:cTn>
+                  </p:par>
+                  <p:par>
+                    <p:cTn id="33" fill="hold">
+                      <p:stCondLst>
+                        <p:cond delay="indefinite"/>
+                      </p:stCondLst>
+                      <p:childTnLst>
+                        <p:par>
+                          <p:cTn id="34" fill="hold">
+                            <p:stCondLst>
+                              <p:cond delay="0"/>
+                            </p:stCondLst>
+                            <p:childTnLst>
+                              <p:par>
+                                <p:cTn id="35" presetID="10" presetClass="entr" presetSubtype="0" fill="hold" nodeType="clickEffect">
+                                  <p:stCondLst>
+                                    <p:cond delay="0"/>
+                                  </p:stCondLst>
+                                  <p:childTnLst>
+                                    <p:set>
+                                      <p:cBhvr>
+                                        <p:cTn id="36" dur="1" fill="hold">
+                                          <p:stCondLst>
+                                            <p:cond delay="0"/>
+                                          </p:stCondLst>
+                                        </p:cTn>
+                                        <p:tgtEl>
+                                          <p:spTgt spid="25"/>
+                                        </p:tgtEl>
+                                        <p:attrNameLst>
+                                          <p:attrName>style.visibility</p:attrName>
+                                        </p:attrNameLst>
+                                      </p:cBhvr>
+                                      <p:to>
+                                        <p:strVal val="visible"/>
+                                      </p:to>
+                                    </p:set>
+                                    <p:animEffect transition="in" filter="fade">
+                                      <p:cBhvr>
+                                        <p:cTn id="37" dur="500"/>
+                                        <p:tgtEl>
+                                          <p:spTgt spid="25"/>
+                                        </p:tgtEl>
+                                      </p:cBhvr>
+                                    </p:animEffect>
+                                  </p:childTnLst>
+                                </p:cTn>
+                              </p:par>
+                            </p:childTnLst>
+                          </p:cTn>
+                        </p:par>
+                      </p:childTnLst>
+                    </p:cTn>
+                  </p:par>
+                </p:childTnLst>
+              </p:cTn>
+              <p:prevCondLst>
+                <p:cond evt="onPrev" delay="0">
+                  <p:tgtEl>
+                    <p:sldTgt/>
+                  </p:tgtEl>
+                </p:cond>
+              </p:prevCondLst>
+              <p:nextCondLst>
+                <p:cond evt="onNext" delay="0">
+                  <p:tgtEl>
+                    <p:sldTgt/>
+                  </p:tgtEl>
+                </p:cond>
+              </p:nextCondLst>
+            </p:seq>
+          </p:childTnLst>
+        </p:cTn>
+      </p:par>
+    </p:tnLst>
+  </p:timing>
 </p:sld>
 </file>
 
@@ -4679,33 +5796,127 @@
           <a:bodyPr/>
           <a:lstStyle/>
           <a:p>
-            <a:endParaRPr lang="zh-TW" altLang="en-US"/>
-          </a:p>
-        </p:txBody>
-      </p:sp>
-      <p:sp>
-        <p:nvSpPr>
-          <p:cNvPr id="3" name="內容版面配置區 2"/>
-          <p:cNvSpPr>
-            <a:spLocks noGrp="1"/>
-          </p:cNvSpPr>
+            <a:r>
+              <a:rPr lang="zh-TW" altLang="en-US" dirty="0"/>
+              <a:t>自訂路線</a:t>
+            </a:r>
+          </a:p>
+        </p:txBody>
+      </p:sp>
+      <p:pic>
+        <p:nvPicPr>
+          <p:cNvPr id="6" name="內容版面配置區 5"/>
+          <p:cNvPicPr>
+            <a:picLocks noGrp="1" noChangeAspect="1"/>
+          </p:cNvPicPr>
           <p:nvPr>
             <p:ph idx="1"/>
           </p:nvPr>
-        </p:nvSpPr>
-        <p:spPr/>
-        <p:txBody>
-          <a:bodyPr/>
-          <a:lstStyle/>
-          <a:p>
-            <a:endParaRPr lang="zh-TW" altLang="en-US"/>
-          </a:p>
-        </p:txBody>
-      </p:sp>
+        </p:nvPicPr>
+        <p:blipFill>
+          <a:blip r:embed="rId2">
+            <a:extLst>
+              <a:ext uri="{28A0092B-C50C-407E-A947-70E740481C1C}">
+                <a14:useLocalDpi xmlns:a14="http://schemas.microsoft.com/office/drawing/2010/main" val="0"/>
+              </a:ext>
+            </a:extLst>
+          </a:blip>
+          <a:stretch>
+            <a:fillRect/>
+          </a:stretch>
+        </p:blipFill>
+        <p:spPr>
+          <a:xfrm>
+            <a:off x="3555598" y="606773"/>
+            <a:ext cx="8454595" cy="5290687"/>
+          </a:xfrm>
+        </p:spPr>
+      </p:pic>
     </p:spTree>
     <p:extLst>
       <p:ext uri="{BB962C8B-B14F-4D97-AF65-F5344CB8AC3E}">
         <p14:creationId xmlns:p14="http://schemas.microsoft.com/office/powerpoint/2010/main" val="3998228646"/>
+      </p:ext>
+    </p:extLst>
+  </p:cSld>
+  <p:clrMapOvr>
+    <a:masterClrMapping/>
+  </p:clrMapOvr>
+</p:sld>
+</file>
+
+<file path=ppt/slides/slide9.xml><?xml version="1.0" encoding="utf-8"?>
+<p:sld xmlns:a="http://schemas.openxmlformats.org/drawingml/2006/main" xmlns:r="http://schemas.openxmlformats.org/officeDocument/2006/relationships" xmlns:p="http://schemas.openxmlformats.org/presentationml/2006/main">
+  <p:cSld>
+    <p:spTree>
+      <p:nvGrpSpPr>
+        <p:cNvPr id="1" name=""/>
+        <p:cNvGrpSpPr/>
+        <p:nvPr/>
+      </p:nvGrpSpPr>
+      <p:grpSpPr>
+        <a:xfrm>
+          <a:off x="0" y="0"/>
+          <a:ext cx="0" cy="0"/>
+          <a:chOff x="0" y="0"/>
+          <a:chExt cx="0" cy="0"/>
+        </a:xfrm>
+      </p:grpSpPr>
+      <p:sp>
+        <p:nvSpPr>
+          <p:cNvPr id="2" name="標題 1"/>
+          <p:cNvSpPr>
+            <a:spLocks noGrp="1"/>
+          </p:cNvSpPr>
+          <p:nvPr>
+            <p:ph type="title"/>
+          </p:nvPr>
+        </p:nvSpPr>
+        <p:spPr/>
+        <p:txBody>
+          <a:bodyPr/>
+          <a:lstStyle/>
+          <a:p>
+            <a:r>
+              <a:rPr lang="zh-TW" altLang="en-US" dirty="0"/>
+              <a:t>嚮導</a:t>
+            </a:r>
+          </a:p>
+        </p:txBody>
+      </p:sp>
+      <p:pic>
+        <p:nvPicPr>
+          <p:cNvPr id="6" name="內容版面配置區 5"/>
+          <p:cNvPicPr>
+            <a:picLocks noGrp="1" noChangeAspect="1"/>
+          </p:cNvPicPr>
+          <p:nvPr>
+            <p:ph idx="1"/>
+          </p:nvPr>
+        </p:nvPicPr>
+        <p:blipFill>
+          <a:blip r:embed="rId2">
+            <a:extLst>
+              <a:ext uri="{28A0092B-C50C-407E-A947-70E740481C1C}">
+                <a14:useLocalDpi xmlns:a14="http://schemas.microsoft.com/office/drawing/2010/main" val="0"/>
+              </a:ext>
+            </a:extLst>
+          </a:blip>
+          <a:stretch>
+            <a:fillRect/>
+          </a:stretch>
+        </p:blipFill>
+        <p:spPr>
+          <a:xfrm>
+            <a:off x="3300335" y="489327"/>
+            <a:ext cx="8891665" cy="5391355"/>
+          </a:xfrm>
+        </p:spPr>
+      </p:pic>
+    </p:spTree>
+    <p:extLst>
+      <p:ext uri="{BB962C8B-B14F-4D97-AF65-F5344CB8AC3E}">
+        <p14:creationId xmlns:p14="http://schemas.microsoft.com/office/powerpoint/2010/main" val="2696114521"/>
       </p:ext>
     </p:extLst>
   </p:cSld>

--- a/北市啪啪走.pptx
+++ b/北市啪啪走.pptx
@@ -4723,8 +4723,28 @@
               <a:t>7.</a:t>
             </a:r>
             <a:r>
+              <a:rPr lang="zh-TW" altLang="en-US"/>
+              <a:t>當地</a:t>
+            </a:r>
+            <a:r>
+              <a:rPr lang="zh-TW" altLang="en-US"/>
+              <a:t>嚮導</a:t>
+            </a:r>
+            <a:r>
+              <a:rPr lang="zh-TW" altLang="en-US"/>
+              <a:t>：與當地</a:t>
+            </a:r>
+            <a:r>
+              <a:rPr lang="zh-TW" altLang="en-US"/>
+              <a:t>嚮導</a:t>
+            </a:r>
+            <a:r>
+              <a:rPr lang="zh-TW" altLang="en-US"/>
+              <a:t>做</a:t>
+            </a:r>
+            <a:r>
               <a:rPr lang="zh-TW" altLang="en-US" dirty="0"/>
-              <a:t>當地響導：與當地響導做媒合，讓你自助旅遊也有好幫手。</a:t>
+              <a:t>媒合，讓你自助旅遊也有好幫手。</a:t>
             </a:r>
           </a:p>
         </p:txBody>

--- a/北市啪啪走.pptx
+++ b/北市啪啪走.pptx
@@ -4723,28 +4723,8 @@
               <a:t>7.</a:t>
             </a:r>
             <a:r>
-              <a:rPr lang="zh-TW" altLang="en-US"/>
-              <a:t>當地</a:t>
-            </a:r>
-            <a:r>
-              <a:rPr lang="zh-TW" altLang="en-US"/>
-              <a:t>嚮導</a:t>
-            </a:r>
-            <a:r>
-              <a:rPr lang="zh-TW" altLang="en-US"/>
-              <a:t>：與當地</a:t>
-            </a:r>
-            <a:r>
-              <a:rPr lang="zh-TW" altLang="en-US"/>
-              <a:t>嚮導</a:t>
-            </a:r>
-            <a:r>
-              <a:rPr lang="zh-TW" altLang="en-US"/>
-              <a:t>做</a:t>
-            </a:r>
-            <a:r>
               <a:rPr lang="zh-TW" altLang="en-US" dirty="0"/>
-              <a:t>媒合，讓你自助旅遊也有好幫手。</a:t>
+              <a:t>當地嚮導：與當地嚮導做媒合，讓你自助旅遊也有好幫手。</a:t>
             </a:r>
           </a:p>
         </p:txBody>
